--- a/New  York_Crashes Peresentation.pptx
+++ b/New  York_Crashes Peresentation.pptx
@@ -2286,7 +2286,7 @@
 <dgm:dataModel xmlns:dgm="http://schemas.openxmlformats.org/drawingml/2006/diagram" xmlns:a="http://schemas.openxmlformats.org/drawingml/2006/main">
   <dgm:ptLst>
     <dgm:pt modelId="{7B2A206C-BB83-4322-B4BC-3EE2589F9217}" type="doc">
-      <dgm:prSet loTypeId="urn:microsoft.com/office/officeart/2018/2/layout/IconVerticalSolidList" loCatId="icon" qsTypeId="urn:microsoft.com/office/officeart/2005/8/quickstyle/simple1" qsCatId="simple" csTypeId="urn:microsoft.com/office/officeart/2018/5/colors/Iconchunking_neutralicontext_colorful1" csCatId="colorful" phldr="1"/>
+      <dgm:prSet loTypeId="urn:microsoft.com/office/officeart/2018/2/layout/IconVerticalSolidList" loCatId="icon" qsTypeId="urn:microsoft.com/office/officeart/2005/8/quickstyle/simple2" qsCatId="simple" csTypeId="urn:microsoft.com/office/officeart/2018/5/colors/Iconchunking_neutralicontext_colorful1" csCatId="colorful" phldr="1"/>
       <dgm:spPr/>
       <dgm:t>
         <a:bodyPr/>
@@ -2309,7 +2309,7 @@
             </a:lnSpc>
           </a:pPr>
           <a:r>
-            <a:rPr lang="en-US"/>
+            <a:rPr lang="en-US" dirty="0"/>
             <a:t>Weather Condition</a:t>
           </a:r>
         </a:p>
@@ -2378,25 +2378,66 @@
         </a:p>
       </dgm:t>
     </dgm:pt>
+    <dgm:pt modelId="{481700FB-31E5-4083-B82F-CE41D64769B3}">
+      <dgm:prSet/>
+      <dgm:spPr/>
+      <dgm:t>
+        <a:bodyPr/>
+        <a:lstStyle/>
+        <a:p>
+          <a:pPr>
+            <a:lnSpc>
+              <a:spcPct val="100000"/>
+            </a:lnSpc>
+          </a:pPr>
+          <a:r>
+            <a:rPr lang="en-US" dirty="0"/>
+            <a:t>Seasons and months</a:t>
+          </a:r>
+        </a:p>
+      </dgm:t>
+    </dgm:pt>
+    <dgm:pt modelId="{CEC63E0D-8DDD-4C9B-9913-887316AC6476}" type="parTrans" cxnId="{75D10CAA-168E-45EE-81C8-79728B40E7E3}">
+      <dgm:prSet/>
+      <dgm:spPr/>
+      <dgm:t>
+        <a:bodyPr/>
+        <a:lstStyle/>
+        <a:p>
+          <a:endParaRPr lang="en-US"/>
+        </a:p>
+      </dgm:t>
+    </dgm:pt>
+    <dgm:pt modelId="{54F6154A-E84C-420F-8824-3B4827071618}" type="sibTrans" cxnId="{75D10CAA-168E-45EE-81C8-79728B40E7E3}">
+      <dgm:prSet/>
+      <dgm:spPr/>
+      <dgm:t>
+        <a:bodyPr/>
+        <a:lstStyle/>
+        <a:p>
+          <a:endParaRPr lang="en-US"/>
+        </a:p>
+      </dgm:t>
+    </dgm:pt>
     <dgm:pt modelId="{936FF87C-DB98-40D8-9CFE-802678FBFFA0}" type="pres">
       <dgm:prSet presAssocID="{7B2A206C-BB83-4322-B4BC-3EE2589F9217}" presName="root" presStyleCnt="0">
         <dgm:presLayoutVars>
-          <dgm:dir/>
+          <dgm:dir val="rev"/>
           <dgm:resizeHandles val="exact"/>
         </dgm:presLayoutVars>
       </dgm:prSet>
       <dgm:spPr/>
     </dgm:pt>
-    <dgm:pt modelId="{7F4D9C1A-0AD1-402A-93E0-FB5CA9E95298}" type="pres">
-      <dgm:prSet presAssocID="{8E4C9FB3-414D-46E6-9157-A191B11E3B5F}" presName="compNode" presStyleCnt="0"/>
+    <dgm:pt modelId="{899616B9-C227-4247-AF44-C5FC891C0F88}" type="pres">
+      <dgm:prSet presAssocID="{481700FB-31E5-4083-B82F-CE41D64769B3}" presName="compNode" presStyleCnt="0"/>
       <dgm:spPr/>
     </dgm:pt>
-    <dgm:pt modelId="{9983C12F-4041-42A8-968B-F7B446725EC1}" type="pres">
-      <dgm:prSet presAssocID="{8E4C9FB3-414D-46E6-9157-A191B11E3B5F}" presName="bgRect" presStyleLbl="bgShp" presStyleIdx="0" presStyleCnt="2"/>
+    <dgm:pt modelId="{63E7C389-5D1E-4EA8-8BD7-1E158F3312DC}" type="pres">
+      <dgm:prSet presAssocID="{481700FB-31E5-4083-B82F-CE41D64769B3}" presName="bgRect" presStyleLbl="bgShp" presStyleIdx="0" presStyleCnt="3"/>
       <dgm:spPr/>
     </dgm:pt>
-    <dgm:pt modelId="{6C380EEB-5F1B-44BE-BE68-5E8592E4A194}" type="pres">
-      <dgm:prSet presAssocID="{8E4C9FB3-414D-46E6-9157-A191B11E3B5F}" presName="iconRect" presStyleLbl="node1" presStyleIdx="0" presStyleCnt="2"/>
+    <dgm:pt modelId="{9B283D91-F5A2-402F-B8C5-B9C2F68DE068}" type="pres">
+      <dgm:prSet presAssocID="{481700FB-31E5-4083-B82F-CE41D64769B3}" presName="iconRect" presStyleLbl="node1" presStyleIdx="0" presStyleCnt="3"/>
       <dgm:spPr>
         <a:blipFill>
           <a:blip xmlns:r="http://schemas.openxmlformats.org/officeDocument/2006/relationships" r:embed="rId1">
@@ -2409,13 +2450,61 @@
               </a:ext>
             </a:extLst>
           </a:blip>
+          <a:srcRect/>
           <a:stretch>
             <a:fillRect/>
           </a:stretch>
         </a:blipFill>
-        <a:ln>
-          <a:noFill/>
-        </a:ln>
+      </dgm:spPr>
+      <dgm:extLst>
+        <a:ext uri="{E40237B7-FDA0-4F09-8148-C483321AD2D9}">
+          <dgm14:cNvPr xmlns:dgm14="http://schemas.microsoft.com/office/drawing/2010/diagram" id="0" name="" descr="Leaf"/>
+        </a:ext>
+      </dgm:extLst>
+    </dgm:pt>
+    <dgm:pt modelId="{AD0C2805-AEA0-42EA-AF73-C1CC46D3BF8A}" type="pres">
+      <dgm:prSet presAssocID="{481700FB-31E5-4083-B82F-CE41D64769B3}" presName="spaceRect" presStyleCnt="0"/>
+      <dgm:spPr/>
+    </dgm:pt>
+    <dgm:pt modelId="{BE7ACE37-07EB-4613-A3DE-CBF8E033441D}" type="pres">
+      <dgm:prSet presAssocID="{481700FB-31E5-4083-B82F-CE41D64769B3}" presName="parTx" presStyleLbl="revTx" presStyleIdx="0" presStyleCnt="3">
+        <dgm:presLayoutVars>
+          <dgm:chMax val="0"/>
+          <dgm:chPref val="0"/>
+        </dgm:presLayoutVars>
+      </dgm:prSet>
+      <dgm:spPr/>
+    </dgm:pt>
+    <dgm:pt modelId="{0312CB72-5021-4A6F-8D70-332E866043E8}" type="pres">
+      <dgm:prSet presAssocID="{54F6154A-E84C-420F-8824-3B4827071618}" presName="sibTrans" presStyleCnt="0"/>
+      <dgm:spPr/>
+    </dgm:pt>
+    <dgm:pt modelId="{7F4D9C1A-0AD1-402A-93E0-FB5CA9E95298}" type="pres">
+      <dgm:prSet presAssocID="{8E4C9FB3-414D-46E6-9157-A191B11E3B5F}" presName="compNode" presStyleCnt="0"/>
+      <dgm:spPr/>
+    </dgm:pt>
+    <dgm:pt modelId="{9983C12F-4041-42A8-968B-F7B446725EC1}" type="pres">
+      <dgm:prSet presAssocID="{8E4C9FB3-414D-46E6-9157-A191B11E3B5F}" presName="bgRect" presStyleLbl="bgShp" presStyleIdx="1" presStyleCnt="3"/>
+      <dgm:spPr/>
+    </dgm:pt>
+    <dgm:pt modelId="{6C380EEB-5F1B-44BE-BE68-5E8592E4A194}" type="pres">
+      <dgm:prSet presAssocID="{8E4C9FB3-414D-46E6-9157-A191B11E3B5F}" presName="iconRect" presStyleLbl="node1" presStyleIdx="1" presStyleCnt="3"/>
+      <dgm:spPr>
+        <a:blipFill>
+          <a:blip xmlns:r="http://schemas.openxmlformats.org/officeDocument/2006/relationships" r:embed="rId3">
+            <a:extLst>
+              <a:ext uri="{28A0092B-C50C-407E-A947-70E740481C1C}">
+                <a14:useLocalDpi xmlns:a14="http://schemas.microsoft.com/office/drawing/2010/main" val="0"/>
+              </a:ext>
+              <a:ext uri="{96DAC541-7B7A-43D3-8B79-37D633B846F1}">
+                <asvg:svgBlip xmlns:asvg="http://schemas.microsoft.com/office/drawing/2016/SVG/main" r:embed="rId4"/>
+              </a:ext>
+            </a:extLst>
+          </a:blip>
+          <a:stretch>
+            <a:fillRect/>
+          </a:stretch>
+        </a:blipFill>
       </dgm:spPr>
       <dgm:extLst>
         <a:ext uri="{E40237B7-FDA0-4F09-8148-C483321AD2D9}">
@@ -2428,7 +2517,7 @@
       <dgm:spPr/>
     </dgm:pt>
     <dgm:pt modelId="{49290E1D-5F87-4F17-B507-9EB4E0D21F74}" type="pres">
-      <dgm:prSet presAssocID="{8E4C9FB3-414D-46E6-9157-A191B11E3B5F}" presName="parTx" presStyleLbl="revTx" presStyleIdx="0" presStyleCnt="2">
+      <dgm:prSet presAssocID="{8E4C9FB3-414D-46E6-9157-A191B11E3B5F}" presName="parTx" presStyleLbl="revTx" presStyleIdx="1" presStyleCnt="3">
         <dgm:presLayoutVars>
           <dgm:chMax val="0"/>
           <dgm:chPref val="0"/>
@@ -2445,20 +2534,20 @@
       <dgm:spPr/>
     </dgm:pt>
     <dgm:pt modelId="{73026477-B8C0-4DE2-9F58-3C6A5C9F10AB}" type="pres">
-      <dgm:prSet presAssocID="{DCF595F2-66FE-41C5-9C5B-9711CADE5A34}" presName="bgRect" presStyleLbl="bgShp" presStyleIdx="1" presStyleCnt="2"/>
+      <dgm:prSet presAssocID="{DCF595F2-66FE-41C5-9C5B-9711CADE5A34}" presName="bgRect" presStyleLbl="bgShp" presStyleIdx="2" presStyleCnt="3"/>
       <dgm:spPr/>
     </dgm:pt>
     <dgm:pt modelId="{F7F68CE5-FFD1-4390-B48E-2905A5B63486}" type="pres">
-      <dgm:prSet presAssocID="{DCF595F2-66FE-41C5-9C5B-9711CADE5A34}" presName="iconRect" presStyleLbl="node1" presStyleIdx="1" presStyleCnt="2"/>
+      <dgm:prSet presAssocID="{DCF595F2-66FE-41C5-9C5B-9711CADE5A34}" presName="iconRect" presStyleLbl="node1" presStyleIdx="2" presStyleCnt="3"/>
       <dgm:spPr>
         <a:blipFill>
-          <a:blip xmlns:r="http://schemas.openxmlformats.org/officeDocument/2006/relationships" r:embed="rId3">
+          <a:blip xmlns:r="http://schemas.openxmlformats.org/officeDocument/2006/relationships" r:embed="rId5">
             <a:extLst>
               <a:ext uri="{28A0092B-C50C-407E-A947-70E740481C1C}">
                 <a14:useLocalDpi xmlns:a14="http://schemas.microsoft.com/office/drawing/2010/main" val="0"/>
               </a:ext>
               <a:ext uri="{96DAC541-7B7A-43D3-8B79-37D633B846F1}">
-                <asvg:svgBlip xmlns:asvg="http://schemas.microsoft.com/office/drawing/2016/SVG/main" r:embed="rId4"/>
+                <asvg:svgBlip xmlns:asvg="http://schemas.microsoft.com/office/drawing/2016/SVG/main" r:embed="rId6"/>
               </a:ext>
             </a:extLst>
           </a:blip>
@@ -2466,9 +2555,6 @@
             <a:fillRect/>
           </a:stretch>
         </a:blipFill>
-        <a:ln>
-          <a:noFill/>
-        </a:ln>
       </dgm:spPr>
       <dgm:extLst>
         <a:ext uri="{E40237B7-FDA0-4F09-8148-C483321AD2D9}">
@@ -2481,7 +2567,7 @@
       <dgm:spPr/>
     </dgm:pt>
     <dgm:pt modelId="{913A43A2-C653-4DA4-A9DE-50A282D5BF1E}" type="pres">
-      <dgm:prSet presAssocID="{DCF595F2-66FE-41C5-9C5B-9711CADE5A34}" presName="parTx" presStyleLbl="revTx" presStyleIdx="1" presStyleCnt="2">
+      <dgm:prSet presAssocID="{DCF595F2-66FE-41C5-9C5B-9711CADE5A34}" presName="parTx" presStyleLbl="revTx" presStyleIdx="2" presStyleCnt="3">
         <dgm:presLayoutVars>
           <dgm:chMax val="0"/>
           <dgm:chPref val="0"/>
@@ -2491,18 +2577,26 @@
     </dgm:pt>
   </dgm:ptLst>
   <dgm:cxnLst>
-    <dgm:cxn modelId="{B0F6AB1B-3596-4307-99A5-8D0C6216BA22}" srcId="{7B2A206C-BB83-4322-B4BC-3EE2589F9217}" destId="{DCF595F2-66FE-41C5-9C5B-9711CADE5A34}" srcOrd="1" destOrd="0" parTransId="{E7477DE5-3703-4DB1-92DE-F57D80C58AEA}" sibTransId="{2EE9C55E-7C9B-4B31-8F1D-244373CE8A18}"/>
-    <dgm:cxn modelId="{E9E9B72E-106B-4BAD-92BE-C9792CF4B8D6}" srcId="{7B2A206C-BB83-4322-B4BC-3EE2589F9217}" destId="{8E4C9FB3-414D-46E6-9157-A191B11E3B5F}" srcOrd="0" destOrd="0" parTransId="{A5886569-0CB7-424B-80EC-949E208BA03B}" sibTransId="{1B03E6AB-3021-4E33-B71D-505F57A679EB}"/>
+    <dgm:cxn modelId="{B0F6AB1B-3596-4307-99A5-8D0C6216BA22}" srcId="{7B2A206C-BB83-4322-B4BC-3EE2589F9217}" destId="{DCF595F2-66FE-41C5-9C5B-9711CADE5A34}" srcOrd="2" destOrd="0" parTransId="{E7477DE5-3703-4DB1-92DE-F57D80C58AEA}" sibTransId="{2EE9C55E-7C9B-4B31-8F1D-244373CE8A18}"/>
+    <dgm:cxn modelId="{E9E9B72E-106B-4BAD-92BE-C9792CF4B8D6}" srcId="{7B2A206C-BB83-4322-B4BC-3EE2589F9217}" destId="{8E4C9FB3-414D-46E6-9157-A191B11E3B5F}" srcOrd="1" destOrd="0" parTransId="{A5886569-0CB7-424B-80EC-949E208BA03B}" sibTransId="{1B03E6AB-3021-4E33-B71D-505F57A679EB}"/>
+    <dgm:cxn modelId="{AE677344-C8B8-4429-A5C4-09F47E406791}" type="presOf" srcId="{481700FB-31E5-4083-B82F-CE41D64769B3}" destId="{BE7ACE37-07EB-4613-A3DE-CBF8E033441D}" srcOrd="0" destOrd="0" presId="urn:microsoft.com/office/officeart/2018/2/layout/IconVerticalSolidList"/>
+    <dgm:cxn modelId="{75D10CAA-168E-45EE-81C8-79728B40E7E3}" srcId="{7B2A206C-BB83-4322-B4BC-3EE2589F9217}" destId="{481700FB-31E5-4083-B82F-CE41D64769B3}" srcOrd="0" destOrd="0" parTransId="{CEC63E0D-8DDD-4C9B-9913-887316AC6476}" sibTransId="{54F6154A-E84C-420F-8824-3B4827071618}"/>
     <dgm:cxn modelId="{6516B9C2-11B6-4545-9EBD-5303E4E13E7D}" type="presOf" srcId="{7B2A206C-BB83-4322-B4BC-3EE2589F9217}" destId="{936FF87C-DB98-40D8-9CFE-802678FBFFA0}" srcOrd="0" destOrd="0" presId="urn:microsoft.com/office/officeart/2018/2/layout/IconVerticalSolidList"/>
     <dgm:cxn modelId="{04FDB4C4-6ABE-4FA0-8FF0-40E54EABB875}" type="presOf" srcId="{DCF595F2-66FE-41C5-9C5B-9711CADE5A34}" destId="{913A43A2-C653-4DA4-A9DE-50A282D5BF1E}" srcOrd="0" destOrd="0" presId="urn:microsoft.com/office/officeart/2018/2/layout/IconVerticalSolidList"/>
     <dgm:cxn modelId="{5BCA8DF5-9F74-4808-AD71-183F982AAB1F}" type="presOf" srcId="{8E4C9FB3-414D-46E6-9157-A191B11E3B5F}" destId="{49290E1D-5F87-4F17-B507-9EB4E0D21F74}" srcOrd="0" destOrd="0" presId="urn:microsoft.com/office/officeart/2018/2/layout/IconVerticalSolidList"/>
-    <dgm:cxn modelId="{442A77FC-FEE4-4FEE-B30F-D70EECE3B4FE}" type="presParOf" srcId="{936FF87C-DB98-40D8-9CFE-802678FBFFA0}" destId="{7F4D9C1A-0AD1-402A-93E0-FB5CA9E95298}" srcOrd="0" destOrd="0" presId="urn:microsoft.com/office/officeart/2018/2/layout/IconVerticalSolidList"/>
+    <dgm:cxn modelId="{3BB7D33B-A914-4ADE-BED4-0737AE72E31F}" type="presParOf" srcId="{936FF87C-DB98-40D8-9CFE-802678FBFFA0}" destId="{899616B9-C227-4247-AF44-C5FC891C0F88}" srcOrd="0" destOrd="0" presId="urn:microsoft.com/office/officeart/2018/2/layout/IconVerticalSolidList"/>
+    <dgm:cxn modelId="{A5CBADA0-E39B-41A8-B883-6ED3434921D4}" type="presParOf" srcId="{899616B9-C227-4247-AF44-C5FC891C0F88}" destId="{63E7C389-5D1E-4EA8-8BD7-1E158F3312DC}" srcOrd="0" destOrd="0" presId="urn:microsoft.com/office/officeart/2018/2/layout/IconVerticalSolidList"/>
+    <dgm:cxn modelId="{E44473E5-FFD6-46DD-AA7D-C6099D0E292F}" type="presParOf" srcId="{899616B9-C227-4247-AF44-C5FC891C0F88}" destId="{9B283D91-F5A2-402F-B8C5-B9C2F68DE068}" srcOrd="1" destOrd="0" presId="urn:microsoft.com/office/officeart/2018/2/layout/IconVerticalSolidList"/>
+    <dgm:cxn modelId="{8E0473E3-8FB2-4BD2-B3D9-5312F08D15ED}" type="presParOf" srcId="{899616B9-C227-4247-AF44-C5FC891C0F88}" destId="{AD0C2805-AEA0-42EA-AF73-C1CC46D3BF8A}" srcOrd="2" destOrd="0" presId="urn:microsoft.com/office/officeart/2018/2/layout/IconVerticalSolidList"/>
+    <dgm:cxn modelId="{5224FDF7-31AE-49F7-A1B2-26D98128E194}" type="presParOf" srcId="{899616B9-C227-4247-AF44-C5FC891C0F88}" destId="{BE7ACE37-07EB-4613-A3DE-CBF8E033441D}" srcOrd="3" destOrd="0" presId="urn:microsoft.com/office/officeart/2018/2/layout/IconVerticalSolidList"/>
+    <dgm:cxn modelId="{433B82A5-5998-4DD1-9DFE-48D3C3C0E6B4}" type="presParOf" srcId="{936FF87C-DB98-40D8-9CFE-802678FBFFA0}" destId="{0312CB72-5021-4A6F-8D70-332E866043E8}" srcOrd="1" destOrd="0" presId="urn:microsoft.com/office/officeart/2018/2/layout/IconVerticalSolidList"/>
+    <dgm:cxn modelId="{442A77FC-FEE4-4FEE-B30F-D70EECE3B4FE}" type="presParOf" srcId="{936FF87C-DB98-40D8-9CFE-802678FBFFA0}" destId="{7F4D9C1A-0AD1-402A-93E0-FB5CA9E95298}" srcOrd="2" destOrd="0" presId="urn:microsoft.com/office/officeart/2018/2/layout/IconVerticalSolidList"/>
     <dgm:cxn modelId="{733585A5-B117-45A8-A792-0EA0A32C5CEB}" type="presParOf" srcId="{7F4D9C1A-0AD1-402A-93E0-FB5CA9E95298}" destId="{9983C12F-4041-42A8-968B-F7B446725EC1}" srcOrd="0" destOrd="0" presId="urn:microsoft.com/office/officeart/2018/2/layout/IconVerticalSolidList"/>
     <dgm:cxn modelId="{8A0E1E1B-1E55-43CB-9982-89A35449F601}" type="presParOf" srcId="{7F4D9C1A-0AD1-402A-93E0-FB5CA9E95298}" destId="{6C380EEB-5F1B-44BE-BE68-5E8592E4A194}" srcOrd="1" destOrd="0" presId="urn:microsoft.com/office/officeart/2018/2/layout/IconVerticalSolidList"/>
     <dgm:cxn modelId="{2DC19E33-90A5-411F-8E8D-3B26C676723C}" type="presParOf" srcId="{7F4D9C1A-0AD1-402A-93E0-FB5CA9E95298}" destId="{E54B861A-A191-4965-802E-49BE37A1E5C9}" srcOrd="2" destOrd="0" presId="urn:microsoft.com/office/officeart/2018/2/layout/IconVerticalSolidList"/>
     <dgm:cxn modelId="{0E1CED74-4A07-40C5-B5BB-DE03295F0C0F}" type="presParOf" srcId="{7F4D9C1A-0AD1-402A-93E0-FB5CA9E95298}" destId="{49290E1D-5F87-4F17-B507-9EB4E0D21F74}" srcOrd="3" destOrd="0" presId="urn:microsoft.com/office/officeart/2018/2/layout/IconVerticalSolidList"/>
-    <dgm:cxn modelId="{E37262D0-0814-458B-9795-89D49C56B35F}" type="presParOf" srcId="{936FF87C-DB98-40D8-9CFE-802678FBFFA0}" destId="{6EB5B1D7-4521-45F5-8F56-5C83B205F520}" srcOrd="1" destOrd="0" presId="urn:microsoft.com/office/officeart/2018/2/layout/IconVerticalSolidList"/>
-    <dgm:cxn modelId="{B5453E99-1260-4057-89BB-E0337595B250}" type="presParOf" srcId="{936FF87C-DB98-40D8-9CFE-802678FBFFA0}" destId="{32CFA5CF-E617-4E7F-91A0-B872EA9CC19B}" srcOrd="2" destOrd="0" presId="urn:microsoft.com/office/officeart/2018/2/layout/IconVerticalSolidList"/>
+    <dgm:cxn modelId="{E37262D0-0814-458B-9795-89D49C56B35F}" type="presParOf" srcId="{936FF87C-DB98-40D8-9CFE-802678FBFFA0}" destId="{6EB5B1D7-4521-45F5-8F56-5C83B205F520}" srcOrd="3" destOrd="0" presId="urn:microsoft.com/office/officeart/2018/2/layout/IconVerticalSolidList"/>
+    <dgm:cxn modelId="{B5453E99-1260-4057-89BB-E0337595B250}" type="presParOf" srcId="{936FF87C-DB98-40D8-9CFE-802678FBFFA0}" destId="{32CFA5CF-E617-4E7F-91A0-B872EA9CC19B}" srcOrd="4" destOrd="0" presId="urn:microsoft.com/office/officeart/2018/2/layout/IconVerticalSolidList"/>
     <dgm:cxn modelId="{DDC6DC4C-4513-40C3-8647-BCC811DE7ADE}" type="presParOf" srcId="{32CFA5CF-E617-4E7F-91A0-B872EA9CC19B}" destId="{73026477-B8C0-4DE2-9F58-3C6A5C9F10AB}" srcOrd="0" destOrd="0" presId="urn:microsoft.com/office/officeart/2018/2/layout/IconVerticalSolidList"/>
     <dgm:cxn modelId="{BAEE74F5-63FA-44CE-B4DE-D6A615B5E6BD}" type="presParOf" srcId="{32CFA5CF-E617-4E7F-91A0-B872EA9CC19B}" destId="{F7F68CE5-FFD1-4390-B48E-2905A5B63486}" srcOrd="1" destOrd="0" presId="urn:microsoft.com/office/officeart/2018/2/layout/IconVerticalSolidList"/>
     <dgm:cxn modelId="{B5186199-5207-4F44-BBD0-444104F0EA66}" type="presParOf" srcId="{32CFA5CF-E617-4E7F-91A0-B872EA9CC19B}" destId="{E0A42EB0-FFBE-4791-BA94-51FC0952363D}" srcOrd="2" destOrd="0" presId="urn:microsoft.com/office/officeart/2018/2/layout/IconVerticalSolidList"/>
@@ -2989,15 +3083,15 @@
       <dsp:cNvGrpSpPr/>
     </dsp:nvGrpSpPr>
     <dsp:grpSpPr/>
-    <dsp:sp modelId="{9983C12F-4041-42A8-968B-F7B446725EC1}">
+    <dsp:sp modelId="{63E7C389-5D1E-4EA8-8BD7-1E158F3312DC}">
       <dsp:nvSpPr>
         <dsp:cNvPr id="0" name=""/>
         <dsp:cNvSpPr/>
       </dsp:nvSpPr>
       <dsp:spPr>
         <a:xfrm>
-          <a:off x="0" y="556185"/>
-          <a:ext cx="9625383" cy="1026804"/>
+          <a:off x="0" y="417"/>
+          <a:ext cx="9625383" cy="977670"/>
         </a:xfrm>
         <a:prstGeom prst="roundRect">
           <a:avLst>
@@ -3030,15 +3124,15 @@
         <a:fontRef idx="minor"/>
       </dsp:style>
     </dsp:sp>
-    <dsp:sp modelId="{6C380EEB-5F1B-44BE-BE68-5E8592E4A194}">
+    <dsp:sp modelId="{9B283D91-F5A2-402F-B8C5-B9C2F68DE068}">
       <dsp:nvSpPr>
         <dsp:cNvPr id="0" name=""/>
         <dsp:cNvSpPr/>
       </dsp:nvSpPr>
       <dsp:spPr>
         <a:xfrm>
-          <a:off x="310608" y="787217"/>
-          <a:ext cx="564742" cy="564742"/>
+          <a:off x="295745" y="220393"/>
+          <a:ext cx="537718" cy="537718"/>
         </a:xfrm>
         <a:prstGeom prst="rect">
           <a:avLst/>
@@ -3054,24 +3148,33 @@
               </a:ext>
             </a:extLst>
           </a:blip>
+          <a:srcRect/>
           <a:stretch>
             <a:fillRect/>
           </a:stretch>
         </a:blipFill>
-        <a:ln w="19050" cap="rnd" cmpd="sng" algn="ctr">
-          <a:noFill/>
+        <a:ln w="28575" cap="rnd" cmpd="sng" algn="ctr">
+          <a:solidFill>
+            <a:schemeClr val="lt1">
+              <a:alpha val="0"/>
+              <a:hueOff val="0"/>
+              <a:satOff val="0"/>
+              <a:lumOff val="0"/>
+              <a:alphaOff val="0"/>
+            </a:schemeClr>
+          </a:solidFill>
           <a:prstDash val="solid"/>
         </a:ln>
         <a:effectLst/>
       </dsp:spPr>
       <dsp:style>
-        <a:lnRef idx="2">
+        <a:lnRef idx="3">
           <a:scrgbClr r="0" g="0" b="0"/>
         </a:lnRef>
         <a:fillRef idx="1">
           <a:scrgbClr r="0" g="0" b="0"/>
         </a:fillRef>
-        <a:effectRef idx="0">
+        <a:effectRef idx="1">
           <a:scrgbClr r="0" g="0" b="0"/>
         </a:effectRef>
         <a:fontRef idx="minor">
@@ -3079,15 +3182,15 @@
         </a:fontRef>
       </dsp:style>
     </dsp:sp>
-    <dsp:sp modelId="{49290E1D-5F87-4F17-B507-9EB4E0D21F74}">
+    <dsp:sp modelId="{BE7ACE37-07EB-4613-A3DE-CBF8E033441D}">
       <dsp:nvSpPr>
         <dsp:cNvPr id="0" name=""/>
         <dsp:cNvSpPr/>
       </dsp:nvSpPr>
       <dsp:spPr>
         <a:xfrm>
-          <a:off x="1185959" y="556185"/>
-          <a:ext cx="8439423" cy="1026804"/>
+          <a:off x="1129209" y="417"/>
+          <a:ext cx="8496173" cy="977670"/>
         </a:xfrm>
         <a:prstGeom prst="rect">
           <a:avLst/>
@@ -3111,7 +3214,7 @@
         <a:fontRef idx="minor"/>
       </dsp:style>
       <dsp:txBody>
-        <a:bodyPr spcFirstLastPara="0" vert="horz" wrap="square" lIns="108670" tIns="108670" rIns="108670" bIns="108670" numCol="1" spcCol="1270" anchor="ctr" anchorCtr="0">
+        <a:bodyPr spcFirstLastPara="0" vert="horz" wrap="square" lIns="103470" tIns="103470" rIns="103470" bIns="103470" numCol="1" spcCol="1270" anchor="ctr" anchorCtr="0">
           <a:noAutofit/>
         </a:bodyPr>
         <a:lstStyle/>
@@ -3129,25 +3232,25 @@
             <a:buNone/>
           </a:pPr>
           <a:r>
-            <a:rPr lang="en-US" sz="2500" kern="1200"/>
-            <a:t>Weather Condition</a:t>
+            <a:rPr lang="en-US" sz="2500" kern="1200" dirty="0"/>
+            <a:t>Seasons and months</a:t>
           </a:r>
         </a:p>
       </dsp:txBody>
       <dsp:txXfrm>
-        <a:off x="1185959" y="556185"/>
-        <a:ext cx="8439423" cy="1026804"/>
+        <a:off x="1129209" y="417"/>
+        <a:ext cx="8496173" cy="977670"/>
       </dsp:txXfrm>
     </dsp:sp>
-    <dsp:sp modelId="{73026477-B8C0-4DE2-9F58-3C6A5C9F10AB}">
+    <dsp:sp modelId="{9983C12F-4041-42A8-968B-F7B446725EC1}">
       <dsp:nvSpPr>
         <dsp:cNvPr id="0" name=""/>
         <dsp:cNvSpPr/>
       </dsp:nvSpPr>
       <dsp:spPr>
         <a:xfrm>
-          <a:off x="0" y="1839692"/>
-          <a:ext cx="9625383" cy="1026804"/>
+          <a:off x="0" y="1222506"/>
+          <a:ext cx="9625383" cy="977670"/>
         </a:xfrm>
         <a:prstGeom prst="roundRect">
           <a:avLst>
@@ -3180,15 +3283,15 @@
         <a:fontRef idx="minor"/>
       </dsp:style>
     </dsp:sp>
-    <dsp:sp modelId="{F7F68CE5-FFD1-4390-B48E-2905A5B63486}">
+    <dsp:sp modelId="{6C380EEB-5F1B-44BE-BE68-5E8592E4A194}">
       <dsp:nvSpPr>
         <dsp:cNvPr id="0" name=""/>
         <dsp:cNvSpPr/>
       </dsp:nvSpPr>
       <dsp:spPr>
         <a:xfrm>
-          <a:off x="310608" y="2070723"/>
-          <a:ext cx="564742" cy="564742"/>
+          <a:off x="295745" y="1442482"/>
+          <a:ext cx="537718" cy="537718"/>
         </a:xfrm>
         <a:prstGeom prst="rect">
           <a:avLst/>
@@ -3208,20 +3311,28 @@
             <a:fillRect/>
           </a:stretch>
         </a:blipFill>
-        <a:ln w="19050" cap="rnd" cmpd="sng" algn="ctr">
-          <a:noFill/>
+        <a:ln w="28575" cap="rnd" cmpd="sng" algn="ctr">
+          <a:solidFill>
+            <a:schemeClr val="lt1">
+              <a:alpha val="0"/>
+              <a:hueOff val="0"/>
+              <a:satOff val="0"/>
+              <a:lumOff val="0"/>
+              <a:alphaOff val="0"/>
+            </a:schemeClr>
+          </a:solidFill>
           <a:prstDash val="solid"/>
         </a:ln>
         <a:effectLst/>
       </dsp:spPr>
       <dsp:style>
-        <a:lnRef idx="2">
+        <a:lnRef idx="3">
           <a:scrgbClr r="0" g="0" b="0"/>
         </a:lnRef>
         <a:fillRef idx="1">
           <a:scrgbClr r="0" g="0" b="0"/>
         </a:fillRef>
-        <a:effectRef idx="0">
+        <a:effectRef idx="1">
           <a:scrgbClr r="0" g="0" b="0"/>
         </a:effectRef>
         <a:fontRef idx="minor">
@@ -3229,15 +3340,15 @@
         </a:fontRef>
       </dsp:style>
     </dsp:sp>
-    <dsp:sp modelId="{913A43A2-C653-4DA4-A9DE-50A282D5BF1E}">
+    <dsp:sp modelId="{49290E1D-5F87-4F17-B507-9EB4E0D21F74}">
       <dsp:nvSpPr>
         <dsp:cNvPr id="0" name=""/>
         <dsp:cNvSpPr/>
       </dsp:nvSpPr>
       <dsp:spPr>
         <a:xfrm>
-          <a:off x="1185959" y="1839692"/>
-          <a:ext cx="8439423" cy="1026804"/>
+          <a:off x="1129209" y="1222506"/>
+          <a:ext cx="8496173" cy="977670"/>
         </a:xfrm>
         <a:prstGeom prst="rect">
           <a:avLst/>
@@ -3261,7 +3372,165 @@
         <a:fontRef idx="minor"/>
       </dsp:style>
       <dsp:txBody>
-        <a:bodyPr spcFirstLastPara="0" vert="horz" wrap="square" lIns="108670" tIns="108670" rIns="108670" bIns="108670" numCol="1" spcCol="1270" anchor="ctr" anchorCtr="0">
+        <a:bodyPr spcFirstLastPara="0" vert="horz" wrap="square" lIns="103470" tIns="103470" rIns="103470" bIns="103470" numCol="1" spcCol="1270" anchor="ctr" anchorCtr="0">
+          <a:noAutofit/>
+        </a:bodyPr>
+        <a:lstStyle/>
+        <a:p>
+          <a:pPr marL="0" lvl="0" indent="0" algn="l" defTabSz="1111250">
+            <a:lnSpc>
+              <a:spcPct val="100000"/>
+            </a:lnSpc>
+            <a:spcBef>
+              <a:spcPct val="0"/>
+            </a:spcBef>
+            <a:spcAft>
+              <a:spcPct val="35000"/>
+            </a:spcAft>
+            <a:buNone/>
+          </a:pPr>
+          <a:r>
+            <a:rPr lang="en-US" sz="2500" kern="1200" dirty="0"/>
+            <a:t>Weather Condition</a:t>
+          </a:r>
+        </a:p>
+      </dsp:txBody>
+      <dsp:txXfrm>
+        <a:off x="1129209" y="1222506"/>
+        <a:ext cx="8496173" cy="977670"/>
+      </dsp:txXfrm>
+    </dsp:sp>
+    <dsp:sp modelId="{73026477-B8C0-4DE2-9F58-3C6A5C9F10AB}">
+      <dsp:nvSpPr>
+        <dsp:cNvPr id="0" name=""/>
+        <dsp:cNvSpPr/>
+      </dsp:nvSpPr>
+      <dsp:spPr>
+        <a:xfrm>
+          <a:off x="0" y="2444594"/>
+          <a:ext cx="9625383" cy="977670"/>
+        </a:xfrm>
+        <a:prstGeom prst="roundRect">
+          <a:avLst>
+            <a:gd name="adj" fmla="val 10000"/>
+          </a:avLst>
+        </a:prstGeom>
+        <a:solidFill>
+          <a:schemeClr val="accent4">
+            <a:hueOff val="0"/>
+            <a:satOff val="0"/>
+            <a:lumOff val="0"/>
+            <a:alphaOff val="0"/>
+          </a:schemeClr>
+        </a:solidFill>
+        <a:ln>
+          <a:noFill/>
+        </a:ln>
+        <a:effectLst/>
+      </dsp:spPr>
+      <dsp:style>
+        <a:lnRef idx="0">
+          <a:scrgbClr r="0" g="0" b="0"/>
+        </a:lnRef>
+        <a:fillRef idx="1">
+          <a:scrgbClr r="0" g="0" b="0"/>
+        </a:fillRef>
+        <a:effectRef idx="0">
+          <a:scrgbClr r="0" g="0" b="0"/>
+        </a:effectRef>
+        <a:fontRef idx="minor"/>
+      </dsp:style>
+    </dsp:sp>
+    <dsp:sp modelId="{F7F68CE5-FFD1-4390-B48E-2905A5B63486}">
+      <dsp:nvSpPr>
+        <dsp:cNvPr id="0" name=""/>
+        <dsp:cNvSpPr/>
+      </dsp:nvSpPr>
+      <dsp:spPr>
+        <a:xfrm>
+          <a:off x="295745" y="2664570"/>
+          <a:ext cx="537718" cy="537718"/>
+        </a:xfrm>
+        <a:prstGeom prst="rect">
+          <a:avLst/>
+        </a:prstGeom>
+        <a:blipFill>
+          <a:blip xmlns:r="http://schemas.openxmlformats.org/officeDocument/2006/relationships" r:embed="rId5">
+            <a:extLst>
+              <a:ext uri="{28A0092B-C50C-407E-A947-70E740481C1C}">
+                <a14:useLocalDpi xmlns:a14="http://schemas.microsoft.com/office/drawing/2010/main" val="0"/>
+              </a:ext>
+              <a:ext uri="{96DAC541-7B7A-43D3-8B79-37D633B846F1}">
+                <asvg:svgBlip xmlns:asvg="http://schemas.microsoft.com/office/drawing/2016/SVG/main" r:embed="rId6"/>
+              </a:ext>
+            </a:extLst>
+          </a:blip>
+          <a:stretch>
+            <a:fillRect/>
+          </a:stretch>
+        </a:blipFill>
+        <a:ln w="28575" cap="rnd" cmpd="sng" algn="ctr">
+          <a:solidFill>
+            <a:schemeClr val="lt1">
+              <a:alpha val="0"/>
+              <a:hueOff val="0"/>
+              <a:satOff val="0"/>
+              <a:lumOff val="0"/>
+              <a:alphaOff val="0"/>
+            </a:schemeClr>
+          </a:solidFill>
+          <a:prstDash val="solid"/>
+        </a:ln>
+        <a:effectLst/>
+      </dsp:spPr>
+      <dsp:style>
+        <a:lnRef idx="3">
+          <a:scrgbClr r="0" g="0" b="0"/>
+        </a:lnRef>
+        <a:fillRef idx="1">
+          <a:scrgbClr r="0" g="0" b="0"/>
+        </a:fillRef>
+        <a:effectRef idx="1">
+          <a:scrgbClr r="0" g="0" b="0"/>
+        </a:effectRef>
+        <a:fontRef idx="minor">
+          <a:schemeClr val="lt1"/>
+        </a:fontRef>
+      </dsp:style>
+    </dsp:sp>
+    <dsp:sp modelId="{913A43A2-C653-4DA4-A9DE-50A282D5BF1E}">
+      <dsp:nvSpPr>
+        <dsp:cNvPr id="0" name=""/>
+        <dsp:cNvSpPr/>
+      </dsp:nvSpPr>
+      <dsp:spPr>
+        <a:xfrm>
+          <a:off x="1129209" y="2444594"/>
+          <a:ext cx="8496173" cy="977670"/>
+        </a:xfrm>
+        <a:prstGeom prst="rect">
+          <a:avLst/>
+        </a:prstGeom>
+        <a:noFill/>
+        <a:ln>
+          <a:noFill/>
+        </a:ln>
+        <a:effectLst/>
+      </dsp:spPr>
+      <dsp:style>
+        <a:lnRef idx="0">
+          <a:scrgbClr r="0" g="0" b="0"/>
+        </a:lnRef>
+        <a:fillRef idx="0">
+          <a:scrgbClr r="0" g="0" b="0"/>
+        </a:fillRef>
+        <a:effectRef idx="0">
+          <a:scrgbClr r="0" g="0" b="0"/>
+        </a:effectRef>
+        <a:fontRef idx="minor"/>
+      </dsp:style>
+      <dsp:txBody>
+        <a:bodyPr spcFirstLastPara="0" vert="horz" wrap="square" lIns="103470" tIns="103470" rIns="103470" bIns="103470" numCol="1" spcCol="1270" anchor="ctr" anchorCtr="0">
           <a:noAutofit/>
         </a:bodyPr>
         <a:lstStyle/>
@@ -3285,8 +3554,8 @@
         </a:p>
       </dsp:txBody>
       <dsp:txXfrm>
-        <a:off x="1185959" y="1839692"/>
-        <a:ext cx="8439423" cy="1026804"/>
+        <a:off x="1129209" y="2444594"/>
+        <a:ext cx="8496173" cy="977670"/>
       </dsp:txXfrm>
     </dsp:sp>
   </dsp:spTree>
@@ -5088,11 +5357,11 @@
 </file>
 
 <file path=ppt/diagrams/quickStyle2.xml><?xml version="1.0" encoding="utf-8"?>
-<dgm:styleDef xmlns:dgm="http://schemas.openxmlformats.org/drawingml/2006/diagram" xmlns:a="http://schemas.openxmlformats.org/drawingml/2006/main" uniqueId="urn:microsoft.com/office/officeart/2005/8/quickstyle/simple1">
+<dgm:styleDef xmlns:dgm="http://schemas.openxmlformats.org/drawingml/2006/diagram" xmlns:a="http://schemas.openxmlformats.org/drawingml/2006/main" uniqueId="urn:microsoft.com/office/officeart/2005/8/quickstyle/simple2">
   <dgm:title val=""/>
   <dgm:desc val=""/>
   <dgm:catLst>
-    <dgm:cat type="simple" pri="10100"/>
+    <dgm:cat type="simple" pri="10200"/>
   </dgm:catLst>
   <dgm:scene3d>
     <a:camera prst="orthographicFront"/>
@@ -5106,13 +5375,13 @@
     <dgm:sp3d/>
     <dgm:txPr/>
     <dgm:style>
-      <a:lnRef idx="2">
+      <a:lnRef idx="3">
         <a:scrgbClr r="0" g="0" b="0"/>
       </a:lnRef>
       <a:fillRef idx="1">
         <a:scrgbClr r="0" g="0" b="0"/>
       </a:fillRef>
-      <a:effectRef idx="0">
+      <a:effectRef idx="1">
         <a:scrgbClr r="0" g="0" b="0"/>
       </a:effectRef>
       <a:fontRef idx="minor">
@@ -5128,13 +5397,13 @@
     <dgm:sp3d/>
     <dgm:txPr/>
     <dgm:style>
-      <a:lnRef idx="2">
+      <a:lnRef idx="3">
         <a:scrgbClr r="0" g="0" b="0"/>
       </a:lnRef>
       <a:fillRef idx="1">
         <a:scrgbClr r="0" g="0" b="0"/>
       </a:fillRef>
-      <a:effectRef idx="0">
+      <a:effectRef idx="1">
         <a:scrgbClr r="0" g="0" b="0"/>
       </a:effectRef>
       <a:fontRef idx="minor">
@@ -5150,7 +5419,7 @@
     <dgm:sp3d/>
     <dgm:txPr/>
     <dgm:style>
-      <a:lnRef idx="2">
+      <a:lnRef idx="3">
         <a:scrgbClr r="0" g="0" b="0"/>
       </a:lnRef>
       <a:fillRef idx="1">
@@ -5178,7 +5447,7 @@
       <a:fillRef idx="1">
         <a:scrgbClr r="0" g="0" b="0"/>
       </a:fillRef>
-      <a:effectRef idx="0">
+      <a:effectRef idx="1">
         <a:scrgbClr r="0" g="0" b="0"/>
       </a:effectRef>
       <a:fontRef idx="minor">
@@ -5194,13 +5463,13 @@
     <dgm:sp3d/>
     <dgm:txPr/>
     <dgm:style>
-      <a:lnRef idx="2">
+      <a:lnRef idx="3">
         <a:scrgbClr r="0" g="0" b="0"/>
       </a:lnRef>
       <a:fillRef idx="1">
         <a:scrgbClr r="0" g="0" b="0"/>
       </a:fillRef>
-      <a:effectRef idx="0">
+      <a:effectRef idx="1">
         <a:scrgbClr r="0" g="0" b="0"/>
       </a:effectRef>
       <a:fontRef idx="minor">
@@ -5216,13 +5485,13 @@
     <dgm:sp3d/>
     <dgm:txPr/>
     <dgm:style>
-      <a:lnRef idx="2">
+      <a:lnRef idx="3">
         <a:scrgbClr r="0" g="0" b="0"/>
       </a:lnRef>
       <a:fillRef idx="1">
         <a:scrgbClr r="0" g="0" b="0"/>
       </a:fillRef>
-      <a:effectRef idx="0">
+      <a:effectRef idx="1">
         <a:scrgbClr r="0" g="0" b="0"/>
       </a:effectRef>
       <a:fontRef idx="minor">
@@ -5238,13 +5507,13 @@
     <dgm:sp3d/>
     <dgm:txPr/>
     <dgm:style>
-      <a:lnRef idx="2">
+      <a:lnRef idx="3">
         <a:scrgbClr r="0" g="0" b="0"/>
       </a:lnRef>
       <a:fillRef idx="1">
         <a:scrgbClr r="0" g="0" b="0"/>
       </a:fillRef>
-      <a:effectRef idx="0">
+      <a:effectRef idx="1">
         <a:scrgbClr r="0" g="0" b="0"/>
       </a:effectRef>
       <a:fontRef idx="minor">
@@ -5260,13 +5529,13 @@
     <dgm:sp3d/>
     <dgm:txPr/>
     <dgm:style>
-      <a:lnRef idx="2">
+      <a:lnRef idx="3">
         <a:scrgbClr r="0" g="0" b="0"/>
       </a:lnRef>
       <a:fillRef idx="1">
         <a:scrgbClr r="0" g="0" b="0"/>
       </a:fillRef>
-      <a:effectRef idx="0">
+      <a:effectRef idx="1">
         <a:scrgbClr r="0" g="0" b="0"/>
       </a:effectRef>
       <a:fontRef idx="minor">
@@ -5282,13 +5551,13 @@
     <dgm:sp3d/>
     <dgm:txPr/>
     <dgm:style>
-      <a:lnRef idx="2">
+      <a:lnRef idx="3">
         <a:scrgbClr r="0" g="0" b="0"/>
       </a:lnRef>
       <a:fillRef idx="1">
         <a:scrgbClr r="0" g="0" b="0"/>
       </a:fillRef>
-      <a:effectRef idx="0">
+      <a:effectRef idx="1">
         <a:scrgbClr r="0" g="0" b="0"/>
       </a:effectRef>
       <a:fontRef idx="minor"/>
@@ -5302,13 +5571,13 @@
     <dgm:sp3d/>
     <dgm:txPr/>
     <dgm:style>
-      <a:lnRef idx="2">
+      <a:lnRef idx="3">
         <a:scrgbClr r="0" g="0" b="0"/>
       </a:lnRef>
       <a:fillRef idx="1">
         <a:scrgbClr r="0" g="0" b="0"/>
       </a:fillRef>
-      <a:effectRef idx="0">
+      <a:effectRef idx="1">
         <a:scrgbClr r="0" g="0" b="0"/>
       </a:effectRef>
       <a:fontRef idx="minor"/>
@@ -5322,13 +5591,13 @@
     <dgm:sp3d/>
     <dgm:txPr/>
     <dgm:style>
-      <a:lnRef idx="2">
+      <a:lnRef idx="3">
         <a:scrgbClr r="0" g="0" b="0"/>
       </a:lnRef>
       <a:fillRef idx="1">
         <a:scrgbClr r="0" g="0" b="0"/>
       </a:fillRef>
-      <a:effectRef idx="0">
+      <a:effectRef idx="1">
         <a:scrgbClr r="0" g="0" b="0"/>
       </a:effectRef>
       <a:fontRef idx="minor"/>
@@ -5348,7 +5617,7 @@
       <a:fillRef idx="1">
         <a:scrgbClr r="0" g="0" b="0"/>
       </a:fillRef>
-      <a:effectRef idx="0">
+      <a:effectRef idx="1">
         <a:scrgbClr r="0" g="0" b="0"/>
       </a:effectRef>
       <a:fontRef idx="minor">
@@ -5370,7 +5639,7 @@
       <a:fillRef idx="1">
         <a:scrgbClr r="0" g="0" b="0"/>
       </a:fillRef>
-      <a:effectRef idx="0">
+      <a:effectRef idx="1">
         <a:scrgbClr r="0" g="0" b="0"/>
       </a:effectRef>
       <a:fontRef idx="minor">
@@ -5392,7 +5661,7 @@
       <a:fillRef idx="1">
         <a:scrgbClr r="0" g="0" b="0"/>
       </a:fillRef>
-      <a:effectRef idx="0">
+      <a:effectRef idx="1">
         <a:scrgbClr r="0" g="0" b="0"/>
       </a:effectRef>
       <a:fontRef idx="minor">
@@ -5434,7 +5703,7 @@
       <a:fillRef idx="1">
         <a:scrgbClr r="0" g="0" b="0"/>
       </a:fillRef>
-      <a:effectRef idx="0">
+      <a:effectRef idx="1">
         <a:scrgbClr r="0" g="0" b="0"/>
       </a:effectRef>
       <a:fontRef idx="minor"/>
@@ -5448,13 +5717,13 @@
     <dgm:sp3d/>
     <dgm:txPr/>
     <dgm:style>
-      <a:lnRef idx="2">
+      <a:lnRef idx="3">
         <a:scrgbClr r="0" g="0" b="0"/>
       </a:lnRef>
       <a:fillRef idx="1">
         <a:scrgbClr r="0" g="0" b="0"/>
       </a:fillRef>
-      <a:effectRef idx="0">
+      <a:effectRef idx="1">
         <a:scrgbClr r="0" g="0" b="0"/>
       </a:effectRef>
       <a:fontRef idx="minor">
@@ -5470,13 +5739,13 @@
     <dgm:sp3d/>
     <dgm:txPr/>
     <dgm:style>
-      <a:lnRef idx="2">
+      <a:lnRef idx="3">
         <a:scrgbClr r="0" g="0" b="0"/>
       </a:lnRef>
       <a:fillRef idx="1">
         <a:scrgbClr r="0" g="0" b="0"/>
       </a:fillRef>
-      <a:effectRef idx="0">
+      <a:effectRef idx="1">
         <a:scrgbClr r="0" g="0" b="0"/>
       </a:effectRef>
       <a:fontRef idx="minor">
@@ -5492,13 +5761,13 @@
     <dgm:sp3d/>
     <dgm:txPr/>
     <dgm:style>
-      <a:lnRef idx="2">
+      <a:lnRef idx="3">
         <a:scrgbClr r="0" g="0" b="0"/>
       </a:lnRef>
       <a:fillRef idx="1">
         <a:scrgbClr r="0" g="0" b="0"/>
       </a:fillRef>
-      <a:effectRef idx="0">
+      <a:effectRef idx="1">
         <a:scrgbClr r="0" g="0" b="0"/>
       </a:effectRef>
       <a:fontRef idx="minor">
@@ -5514,13 +5783,13 @@
     <dgm:sp3d/>
     <dgm:txPr/>
     <dgm:style>
-      <a:lnRef idx="2">
+      <a:lnRef idx="3">
         <a:scrgbClr r="0" g="0" b="0"/>
       </a:lnRef>
       <a:fillRef idx="1">
         <a:scrgbClr r="0" g="0" b="0"/>
       </a:fillRef>
-      <a:effectRef idx="0">
+      <a:effectRef idx="1">
         <a:scrgbClr r="0" g="0" b="0"/>
       </a:effectRef>
       <a:fontRef idx="minor">
@@ -5536,13 +5805,13 @@
     <dgm:sp3d/>
     <dgm:txPr/>
     <dgm:style>
-      <a:lnRef idx="2">
+      <a:lnRef idx="3">
         <a:scrgbClr r="0" g="0" b="0"/>
       </a:lnRef>
       <a:fillRef idx="1">
         <a:scrgbClr r="0" g="0" b="0"/>
       </a:fillRef>
-      <a:effectRef idx="0">
+      <a:effectRef idx="1">
         <a:scrgbClr r="0" g="0" b="0"/>
       </a:effectRef>
       <a:fontRef idx="minor">
@@ -5558,13 +5827,13 @@
     <dgm:sp3d/>
     <dgm:txPr/>
     <dgm:style>
-      <a:lnRef idx="2">
+      <a:lnRef idx="3">
         <a:scrgbClr r="0" g="0" b="0"/>
       </a:lnRef>
       <a:fillRef idx="1">
         <a:scrgbClr r="0" g="0" b="0"/>
       </a:fillRef>
-      <a:effectRef idx="0">
+      <a:effectRef idx="1">
         <a:scrgbClr r="0" g="0" b="0"/>
       </a:effectRef>
       <a:fontRef idx="minor">
@@ -5580,13 +5849,13 @@
     <dgm:sp3d/>
     <dgm:txPr/>
     <dgm:style>
-      <a:lnRef idx="2">
+      <a:lnRef idx="3">
         <a:scrgbClr r="0" g="0" b="0"/>
       </a:lnRef>
       <a:fillRef idx="1">
         <a:scrgbClr r="0" g="0" b="0"/>
       </a:fillRef>
-      <a:effectRef idx="0">
+      <a:effectRef idx="1">
         <a:scrgbClr r="0" g="0" b="0"/>
       </a:effectRef>
       <a:fontRef idx="minor">
@@ -5602,13 +5871,13 @@
     <dgm:sp3d/>
     <dgm:txPr/>
     <dgm:style>
-      <a:lnRef idx="2">
+      <a:lnRef idx="3">
         <a:scrgbClr r="0" g="0" b="0"/>
       </a:lnRef>
       <a:fillRef idx="1">
         <a:scrgbClr r="0" g="0" b="0"/>
       </a:fillRef>
-      <a:effectRef idx="0">
+      <a:effectRef idx="1">
         <a:scrgbClr r="0" g="0" b="0"/>
       </a:effectRef>
       <a:fontRef idx="minor">
@@ -5624,13 +5893,13 @@
     <dgm:sp3d/>
     <dgm:txPr/>
     <dgm:style>
-      <a:lnRef idx="2">
+      <a:lnRef idx="3">
         <a:scrgbClr r="0" g="0" b="0"/>
       </a:lnRef>
       <a:fillRef idx="1">
         <a:scrgbClr r="0" g="0" b="0"/>
       </a:fillRef>
-      <a:effectRef idx="0">
+      <a:effectRef idx="1">
         <a:scrgbClr r="0" g="0" b="0"/>
       </a:effectRef>
       <a:fontRef idx="minor">
@@ -6086,13 +6355,13 @@
     <dgm:sp3d/>
     <dgm:txPr/>
     <dgm:style>
-      <a:lnRef idx="2">
+      <a:lnRef idx="3">
         <a:scrgbClr r="0" g="0" b="0"/>
       </a:lnRef>
       <a:fillRef idx="1">
         <a:scrgbClr r="0" g="0" b="0"/>
       </a:fillRef>
-      <a:effectRef idx="0">
+      <a:effectRef idx="1">
         <a:scrgbClr r="0" g="0" b="0"/>
       </a:effectRef>
       <a:fontRef idx="minor"/>
@@ -20591,7 +20860,7 @@
             <p:ph idx="1"/>
             <p:extLst>
               <p:ext uri="{D42A27DB-BD31-4B8C-83A1-F6EECF244321}">
-                <p14:modId xmlns:p14="http://schemas.microsoft.com/office/powerpoint/2010/main" val="1900564192"/>
+                <p14:modId xmlns:p14="http://schemas.microsoft.com/office/powerpoint/2010/main" val="4198596398"/>
               </p:ext>
             </p:extLst>
           </p:nvPr>

--- a/New  York_Crashes Peresentation.pptx
+++ b/New  York_Crashes Peresentation.pptx
@@ -18,13 +18,13 @@
     <p:sldId id="262" r:id="rId9"/>
     <p:sldId id="263" r:id="rId10"/>
     <p:sldId id="266" r:id="rId11"/>
-    <p:sldId id="267" r:id="rId12"/>
-    <p:sldId id="273" r:id="rId13"/>
-    <p:sldId id="274" r:id="rId14"/>
-    <p:sldId id="269" r:id="rId15"/>
-    <p:sldId id="271" r:id="rId16"/>
-    <p:sldId id="270" r:id="rId17"/>
-    <p:sldId id="272" r:id="rId18"/>
+    <p:sldId id="273" r:id="rId12"/>
+    <p:sldId id="274" r:id="rId13"/>
+    <p:sldId id="269" r:id="rId14"/>
+    <p:sldId id="271" r:id="rId15"/>
+    <p:sldId id="270" r:id="rId16"/>
+    <p:sldId id="272" r:id="rId17"/>
+    <p:sldId id="267" r:id="rId18"/>
     <p:sldId id="260" r:id="rId19"/>
   </p:sldIdLst>
   <p:sldSz cx="12192000" cy="6858000"/>
@@ -147,13 +147,13 @@
             <p14:sldId id="262"/>
             <p14:sldId id="263"/>
             <p14:sldId id="266"/>
-            <p14:sldId id="267"/>
             <p14:sldId id="273"/>
             <p14:sldId id="274"/>
             <p14:sldId id="269"/>
             <p14:sldId id="271"/>
             <p14:sldId id="270"/>
             <p14:sldId id="272"/>
+            <p14:sldId id="267"/>
             <p14:sldId id="260"/>
           </p14:sldIdLst>
         </p14:section>
@@ -6484,7 +6484,7 @@
           <a:p>
             <a:fld id="{7B954998-D6D8-4F0F-9D7E-6057D9947F13}" type="datetimeFigureOut">
               <a:rPr lang="en-US" smtClean="0"/>
-              <a:t>11/15/19</a:t>
+              <a:t>11/16/2019</a:t>
             </a:fld>
             <a:endParaRPr lang="en-US"/>
           </a:p>
@@ -7338,7 +7338,7 @@
           <a:p>
             <a:fld id="{9184DA70-C731-4C70-880D-CCD4705E623C}" type="datetime1">
               <a:rPr lang="en-US" smtClean="0"/>
-              <a:t>11/15/19</a:t>
+              <a:t>11/16/2019</a:t>
             </a:fld>
             <a:endParaRPr lang="en-US" dirty="0"/>
           </a:p>
@@ -8431,7 +8431,7 @@
           <a:p>
             <a:fld id="{62D6E202-B606-4609-B914-27C9371A1F6D}" type="datetime1">
               <a:rPr lang="en-US" smtClean="0"/>
-              <a:t>11/15/19</a:t>
+              <a:t>11/16/2019</a:t>
             </a:fld>
             <a:endParaRPr lang="en-US" dirty="0"/>
           </a:p>
@@ -9412,7 +9412,7 @@
           <a:p>
             <a:fld id="{62D6E202-B606-4609-B914-27C9371A1F6D}" type="datetime1">
               <a:rPr lang="en-US" smtClean="0"/>
-              <a:t>11/15/19</a:t>
+              <a:t>11/16/2019</a:t>
             </a:fld>
             <a:endParaRPr lang="en-US" dirty="0"/>
           </a:p>
@@ -10547,7 +10547,7 @@
           <a:p>
             <a:fld id="{62D6E202-B606-4609-B914-27C9371A1F6D}" type="datetime1">
               <a:rPr lang="en-US" smtClean="0"/>
-              <a:t>11/15/19</a:t>
+              <a:t>11/16/2019</a:t>
             </a:fld>
             <a:endParaRPr lang="en-US" dirty="0"/>
           </a:p>
@@ -11581,7 +11581,7 @@
           <a:p>
             <a:fld id="{62D6E202-B606-4609-B914-27C9371A1F6D}" type="datetime1">
               <a:rPr lang="en-US" smtClean="0"/>
-              <a:t>11/15/19</a:t>
+              <a:t>11/16/2019</a:t>
             </a:fld>
             <a:endParaRPr lang="en-US" dirty="0"/>
           </a:p>
@@ -12242,7 +12242,7 @@
           <a:p>
             <a:fld id="{62D6E202-B606-4609-B914-27C9371A1F6D}" type="datetime1">
               <a:rPr lang="en-US" smtClean="0"/>
-              <a:t>11/15/19</a:t>
+              <a:t>11/16/2019</a:t>
             </a:fld>
             <a:endParaRPr lang="en-US" dirty="0"/>
           </a:p>
@@ -13104,7 +13104,7 @@
           <a:p>
             <a:fld id="{62D6E202-B606-4609-B914-27C9371A1F6D}" type="datetime1">
               <a:rPr lang="en-US" smtClean="0"/>
-              <a:t>11/15/19</a:t>
+              <a:t>11/16/2019</a:t>
             </a:fld>
             <a:endParaRPr lang="en-US" dirty="0"/>
           </a:p>
@@ -13295,7 +13295,7 @@
           <a:p>
             <a:fld id="{B612A279-0833-481D-8C56-F67FD0AC6C50}" type="datetime1">
               <a:rPr lang="en-US" smtClean="0"/>
-              <a:t>11/15/19</a:t>
+              <a:t>11/16/2019</a:t>
             </a:fld>
             <a:endParaRPr lang="en-US" dirty="0"/>
           </a:p>
@@ -14267,7 +14267,7 @@
           <a:p>
             <a:fld id="{6587DA83-5663-4C9C-B9AA-0B40A3DAFF81}" type="datetime1">
               <a:rPr lang="en-US" smtClean="0"/>
-              <a:t>11/15/19</a:t>
+              <a:t>11/16/2019</a:t>
             </a:fld>
             <a:endParaRPr lang="en-US" dirty="0"/>
           </a:p>
@@ -14483,7 +14483,7 @@
           <a:p>
             <a:fld id="{4BE1D723-8F53-4F53-90B0-1982A396982E}" type="datetime1">
               <a:rPr lang="en-US" smtClean="0"/>
-              <a:t>11/15/19</a:t>
+              <a:t>11/16/2019</a:t>
             </a:fld>
             <a:endParaRPr lang="en-US" dirty="0"/>
           </a:p>
@@ -15517,7 +15517,7 @@
           <a:p>
             <a:fld id="{97669AF7-7BEB-44E4-9852-375E34362B5B}" type="datetime1">
               <a:rPr lang="en-US" smtClean="0"/>
-              <a:t>11/15/19</a:t>
+              <a:t>11/16/2019</a:t>
             </a:fld>
             <a:endParaRPr lang="en-US" dirty="0"/>
           </a:p>
@@ -15794,7 +15794,7 @@
           <a:p>
             <a:fld id="{BAAAC38D-0552-4C82-B593-E6124DFADBE2}" type="datetime1">
               <a:rPr lang="en-US" smtClean="0"/>
-              <a:t>11/15/19</a:t>
+              <a:t>11/16/2019</a:t>
             </a:fld>
             <a:endParaRPr lang="en-US" dirty="0"/>
           </a:p>
@@ -16204,7 +16204,7 @@
           <a:p>
             <a:fld id="{D9DF0F1C-5577-4ACB-BB62-DF8F3C494C7E}" type="datetime1">
               <a:rPr lang="en-US" smtClean="0"/>
-              <a:t>11/15/19</a:t>
+              <a:t>11/16/2019</a:t>
             </a:fld>
             <a:endParaRPr lang="en-US" dirty="0"/>
           </a:p>
@@ -16331,7 +16331,7 @@
           <a:p>
             <a:fld id="{1775B394-D9F9-4F0C-B15D-605F45CB9E9F}" type="datetime1">
               <a:rPr lang="en-US" smtClean="0"/>
-              <a:t>11/15/19</a:t>
+              <a:t>11/16/2019</a:t>
             </a:fld>
             <a:endParaRPr lang="en-US" dirty="0"/>
           </a:p>
@@ -16426,7 +16426,7 @@
           <a:p>
             <a:fld id="{39667345-2558-425A-8533-9BFDBCE15005}" type="datetime1">
               <a:rPr lang="en-US" smtClean="0"/>
-              <a:t>11/15/19</a:t>
+              <a:t>11/16/2019</a:t>
             </a:fld>
             <a:endParaRPr lang="en-US" dirty="0"/>
           </a:p>
@@ -17507,7 +17507,7 @@
           <a:p>
             <a:fld id="{92BEA474-078D-4E9B-9B14-09A87B19DC46}" type="datetime1">
               <a:rPr lang="en-US" smtClean="0"/>
-              <a:t>11/15/19</a:t>
+              <a:t>11/16/2019</a:t>
             </a:fld>
             <a:endParaRPr lang="en-US" dirty="0"/>
           </a:p>
@@ -18616,7 +18616,7 @@
           <a:p>
             <a:fld id="{4907D986-8816-4272-A432-0437A28A9828}" type="datetime1">
               <a:rPr lang="en-US" smtClean="0"/>
-              <a:t>11/15/19</a:t>
+              <a:t>11/16/2019</a:t>
             </a:fld>
             <a:endParaRPr lang="en-US" dirty="0"/>
           </a:p>
@@ -19614,7 +19614,7 @@
           <a:p>
             <a:fld id="{62D6E202-B606-4609-B914-27C9371A1F6D}" type="datetime1">
               <a:rPr lang="en-US" smtClean="0"/>
-              <a:t>11/15/19</a:t>
+              <a:t>11/16/2019</a:t>
             </a:fld>
             <a:endParaRPr lang="en-US" dirty="0"/>
           </a:p>
@@ -20558,351 +20558,6 @@
 <file path=ppt/slides/slide11.xml><?xml version="1.0" encoding="utf-8"?>
 <p:sld xmlns:a="http://schemas.openxmlformats.org/drawingml/2006/main" xmlns:r="http://schemas.openxmlformats.org/officeDocument/2006/relationships" xmlns:p="http://schemas.openxmlformats.org/presentationml/2006/main">
   <p:cSld>
-    <p:bg>
-      <p:bgPr>
-        <a:solidFill>
-          <a:schemeClr val="bg2"/>
-        </a:solidFill>
-        <a:effectLst/>
-      </p:bgPr>
-    </p:bg>
-    <p:spTree>
-      <p:nvGrpSpPr>
-        <p:cNvPr id="1" name=""/>
-        <p:cNvGrpSpPr/>
-        <p:nvPr/>
-      </p:nvGrpSpPr>
-      <p:grpSpPr>
-        <a:xfrm>
-          <a:off x="0" y="0"/>
-          <a:ext cx="0" cy="0"/>
-          <a:chOff x="0" y="0"/>
-          <a:chExt cx="0" cy="0"/>
-        </a:xfrm>
-      </p:grpSpPr>
-      <p:grpSp>
-        <p:nvGrpSpPr>
-          <p:cNvPr id="49" name="Group 48">
-            <a:extLst>
-              <a:ext uri="{FF2B5EF4-FFF2-40B4-BE49-F238E27FC236}">
-                <a16:creationId xmlns:a16="http://schemas.microsoft.com/office/drawing/2014/main" id="{2F448CB3-7B4F-45D7-B7C0-DF553DF61453}"/>
-              </a:ext>
-              <a:ext uri="{C183D7F6-B498-43B3-948B-1728B52AA6E4}">
-                <adec:decorative xmlns:adec="http://schemas.microsoft.com/office/drawing/2017/decorative" val="1"/>
-              </a:ext>
-            </a:extLst>
-          </p:cNvPr>
-          <p:cNvGrpSpPr>
-            <a:grpSpLocks noGrp="1" noUngrp="1" noRot="1" noChangeAspect="1" noMove="1" noResize="1"/>
-          </p:cNvGrpSpPr>
-          <p:nvPr>
-            <p:extLst>
-              <p:ext uri="{386F3935-93C4-4BCD-93E2-E3B085C9AB24}">
-                <p16:designElem xmlns:p16="http://schemas.microsoft.com/office/powerpoint/2015/main" val="1"/>
-              </p:ext>
-            </p:extLst>
-          </p:nvPr>
-        </p:nvGrpSpPr>
-        <p:grpSpPr>
-          <a:xfrm>
-            <a:off x="0" y="0"/>
-            <a:ext cx="12192000" cy="6858000"/>
-            <a:chOff x="0" y="0"/>
-            <a:chExt cx="12192000" cy="6858000"/>
-          </a:xfrm>
-        </p:grpSpPr>
-        <p:sp>
-          <p:nvSpPr>
-            <p:cNvPr id="50" name="Rectangle 49">
-              <a:extLst>
-                <a:ext uri="{FF2B5EF4-FFF2-40B4-BE49-F238E27FC236}">
-                  <a16:creationId xmlns:a16="http://schemas.microsoft.com/office/drawing/2014/main" id="{5C5305EA-7A88-413D-BE8A-47A02476F00C}"/>
-                </a:ext>
-                <a:ext uri="{C183D7F6-B498-43B3-948B-1728B52AA6E4}">
-                  <adec:decorative xmlns:adec="http://schemas.microsoft.com/office/drawing/2017/decorative" val="1"/>
-                </a:ext>
-              </a:extLst>
-            </p:cNvPr>
-            <p:cNvSpPr/>
-            <p:nvPr>
-              <p:extLst>
-                <p:ext uri="{386F3935-93C4-4BCD-93E2-E3B085C9AB24}">
-                  <p16:designElem xmlns:p16="http://schemas.microsoft.com/office/powerpoint/2015/main" val="1"/>
-                </p:ext>
-              </p:extLst>
-            </p:nvPr>
-          </p:nvSpPr>
-          <p:spPr>
-            <a:xfrm>
-              <a:off x="0" y="0"/>
-              <a:ext cx="12192000" cy="6858000"/>
-            </a:xfrm>
-            <a:prstGeom prst="rect">
-              <a:avLst/>
-            </a:prstGeom>
-            <a:blipFill>
-              <a:blip r:embed="rId2">
-                <a:duotone>
-                  <a:schemeClr val="dk2">
-                    <a:shade val="69000"/>
-                    <a:hueMod val="91000"/>
-                    <a:satMod val="164000"/>
-                    <a:lumMod val="74000"/>
-                  </a:schemeClr>
-                  <a:schemeClr val="dk2">
-                    <a:hueMod val="124000"/>
-                    <a:satMod val="140000"/>
-                    <a:lumMod val="142000"/>
-                  </a:schemeClr>
-                </a:duotone>
-              </a:blip>
-              <a:stretch>
-                <a:fillRect/>
-              </a:stretch>
-            </a:blipFill>
-            <a:ln>
-              <a:noFill/>
-            </a:ln>
-          </p:spPr>
-          <p:style>
-            <a:lnRef idx="2">
-              <a:schemeClr val="accent1">
-                <a:shade val="50000"/>
-              </a:schemeClr>
-            </a:lnRef>
-            <a:fillRef idx="1">
-              <a:schemeClr val="accent1"/>
-            </a:fillRef>
-            <a:effectRef idx="0">
-              <a:schemeClr val="accent1"/>
-            </a:effectRef>
-            <a:fontRef idx="minor">
-              <a:schemeClr val="lt1"/>
-            </a:fontRef>
-          </p:style>
-        </p:sp>
-        <p:sp>
-          <p:nvSpPr>
-            <p:cNvPr id="51" name="Freeform 5">
-              <a:extLst>
-                <a:ext uri="{FF2B5EF4-FFF2-40B4-BE49-F238E27FC236}">
-                  <a16:creationId xmlns:a16="http://schemas.microsoft.com/office/drawing/2014/main" id="{FCA94DB5-FE56-4A3D-BC48-31B5595197FD}"/>
-                </a:ext>
-                <a:ext uri="{C183D7F6-B498-43B3-948B-1728B52AA6E4}">
-                  <adec:decorative xmlns:adec="http://schemas.microsoft.com/office/drawing/2017/decorative" val="1"/>
-                </a:ext>
-              </a:extLst>
-            </p:cNvPr>
-            <p:cNvSpPr>
-              <a:spLocks noEditPoints="1"/>
-            </p:cNvSpPr>
-            <p:nvPr>
-              <p:extLst>
-                <p:ext uri="{386F3935-93C4-4BCD-93E2-E3B085C9AB24}">
-                  <p16:designElem xmlns:p16="http://schemas.microsoft.com/office/powerpoint/2015/main" val="1"/>
-                </p:ext>
-              </p:extLst>
-            </p:nvPr>
-          </p:nvSpPr>
-          <p:spPr bwMode="gray">
-            <a:xfrm>
-              <a:off x="0" y="1587"/>
-              <a:ext cx="12192000" cy="6856413"/>
-            </a:xfrm>
-            <a:custGeom>
-              <a:avLst/>
-              <a:gdLst/>
-              <a:ahLst/>
-              <a:cxnLst/>
-              <a:rect l="0" t="0" r="r" b="b"/>
-              <a:pathLst>
-                <a:path w="15356" h="8638">
-                  <a:moveTo>
-                    <a:pt x="0" y="0"/>
-                  </a:moveTo>
-                  <a:lnTo>
-                    <a:pt x="0" y="8638"/>
-                  </a:lnTo>
-                  <a:lnTo>
-                    <a:pt x="15356" y="8638"/>
-                  </a:lnTo>
-                  <a:lnTo>
-                    <a:pt x="15356" y="0"/>
-                  </a:lnTo>
-                  <a:lnTo>
-                    <a:pt x="0" y="0"/>
-                  </a:lnTo>
-                  <a:close/>
-                  <a:moveTo>
-                    <a:pt x="14748" y="8038"/>
-                  </a:moveTo>
-                  <a:lnTo>
-                    <a:pt x="600" y="8038"/>
-                  </a:lnTo>
-                  <a:lnTo>
-                    <a:pt x="600" y="592"/>
-                  </a:lnTo>
-                  <a:lnTo>
-                    <a:pt x="14748" y="592"/>
-                  </a:lnTo>
-                  <a:lnTo>
-                    <a:pt x="14748" y="8038"/>
-                  </a:lnTo>
-                  <a:close/>
-                </a:path>
-              </a:pathLst>
-            </a:custGeom>
-            <a:solidFill>
-              <a:srgbClr val="FFFFFF"/>
-            </a:solidFill>
-            <a:ln>
-              <a:noFill/>
-            </a:ln>
-          </p:spPr>
-        </p:sp>
-      </p:grpSp>
-      <p:sp>
-        <p:nvSpPr>
-          <p:cNvPr id="2" name="Title 1">
-            <a:extLst>
-              <a:ext uri="{FF2B5EF4-FFF2-40B4-BE49-F238E27FC236}">
-                <a16:creationId xmlns:a16="http://schemas.microsoft.com/office/drawing/2014/main" id="{A2A028D9-8251-42C6-A05D-F090A3D25303}"/>
-              </a:ext>
-            </a:extLst>
-          </p:cNvPr>
-          <p:cNvSpPr>
-            <a:spLocks noGrp="1"/>
-          </p:cNvSpPr>
-          <p:nvPr>
-            <p:ph type="title"/>
-          </p:nvPr>
-        </p:nvSpPr>
-        <p:spPr>
-          <a:xfrm>
-            <a:off x="1154954" y="973668"/>
-            <a:ext cx="8761413" cy="706964"/>
-          </a:xfrm>
-        </p:spPr>
-        <p:txBody>
-          <a:bodyPr vert="horz" lIns="91440" tIns="45720" rIns="91440" bIns="45720" rtlCol="0">
-            <a:normAutofit/>
-          </a:bodyPr>
-          <a:lstStyle/>
-          <a:p>
-            <a:r>
-              <a:rPr lang="en-US" b="0" i="0" kern="1200" dirty="0">
-                <a:solidFill>
-                  <a:srgbClr val="FFFFFF"/>
-                </a:solidFill>
-                <a:latin typeface="+mj-lt"/>
-                <a:ea typeface="+mj-ea"/>
-                <a:cs typeface="+mj-cs"/>
-              </a:rPr>
-              <a:t>supportive analysis </a:t>
-            </a:r>
-          </a:p>
-        </p:txBody>
-      </p:sp>
-      <p:sp>
-        <p:nvSpPr>
-          <p:cNvPr id="53" name="Rectangle 52">
-            <a:extLst>
-              <a:ext uri="{FF2B5EF4-FFF2-40B4-BE49-F238E27FC236}">
-                <a16:creationId xmlns:a16="http://schemas.microsoft.com/office/drawing/2014/main" id="{F9ED434F-8767-46CC-B26B-5AF62FF01E66}"/>
-              </a:ext>
-              <a:ext uri="{C183D7F6-B498-43B3-948B-1728B52AA6E4}">
-                <adec:decorative xmlns:adec="http://schemas.microsoft.com/office/drawing/2017/decorative" val="1"/>
-              </a:ext>
-            </a:extLst>
-          </p:cNvPr>
-          <p:cNvSpPr>
-            <a:spLocks noGrp="1" noRot="1" noChangeAspect="1" noMove="1" noResize="1" noEditPoints="1" noAdjustHandles="1" noChangeArrowheads="1" noChangeShapeType="1" noTextEdit="1"/>
-          </p:cNvSpPr>
-          <p:nvPr>
-            <p:extLst>
-              <p:ext uri="{386F3935-93C4-4BCD-93E2-E3B085C9AB24}">
-                <p16:designElem xmlns:p16="http://schemas.microsoft.com/office/powerpoint/2015/main" val="1"/>
-              </p:ext>
-            </p:extLst>
-          </p:nvPr>
-        </p:nvSpPr>
-        <p:spPr>
-          <a:xfrm>
-            <a:off x="10437812" y="0"/>
-            <a:ext cx="685800" cy="1143000"/>
-          </a:xfrm>
-          <a:prstGeom prst="rect">
-            <a:avLst/>
-          </a:prstGeom>
-          <a:solidFill>
-            <a:schemeClr val="accent1"/>
-          </a:solidFill>
-          <a:ln>
-            <a:noFill/>
-          </a:ln>
-        </p:spPr>
-        <p:style>
-          <a:lnRef idx="1">
-            <a:schemeClr val="accent1"/>
-          </a:lnRef>
-          <a:fillRef idx="3">
-            <a:schemeClr val="accent1"/>
-          </a:fillRef>
-          <a:effectRef idx="2">
-            <a:schemeClr val="accent1"/>
-          </a:effectRef>
-          <a:fontRef idx="minor">
-            <a:schemeClr val="lt1"/>
-          </a:fontRef>
-        </p:style>
-      </p:sp>
-      <p:graphicFrame>
-        <p:nvGraphicFramePr>
-          <p:cNvPr id="7" name="Text Placeholder 2">
-            <a:extLst>
-              <a:ext uri="{FF2B5EF4-FFF2-40B4-BE49-F238E27FC236}">
-                <a16:creationId xmlns:a16="http://schemas.microsoft.com/office/drawing/2014/main" id="{6AA01F85-B636-49B0-988C-5F09140C140A}"/>
-              </a:ext>
-            </a:extLst>
-          </p:cNvPr>
-          <p:cNvGraphicFramePr>
-            <a:graphicFrameLocks noGrp="1"/>
-          </p:cNvGraphicFramePr>
-          <p:nvPr>
-            <p:ph idx="1"/>
-            <p:extLst>
-              <p:ext uri="{D42A27DB-BD31-4B8C-83A1-F6EECF244321}">
-                <p14:modId xmlns:p14="http://schemas.microsoft.com/office/powerpoint/2010/main" val="4198596398"/>
-              </p:ext>
-            </p:extLst>
-          </p:nvPr>
-        </p:nvGraphicFramePr>
-        <p:xfrm>
-          <a:off x="1286934" y="2324100"/>
-          <a:ext cx="9625383" cy="3422683"/>
-        </p:xfrm>
-        <a:graphic>
-          <a:graphicData uri="http://schemas.openxmlformats.org/drawingml/2006/diagram">
-            <dgm:relIds xmlns:dgm="http://schemas.openxmlformats.org/drawingml/2006/diagram" xmlns:r="http://schemas.openxmlformats.org/officeDocument/2006/relationships" r:dm="rId3" r:lo="rId4" r:qs="rId5" r:cs="rId6"/>
-          </a:graphicData>
-        </a:graphic>
-      </p:graphicFrame>
-    </p:spTree>
-    <p:extLst>
-      <p:ext uri="{BB962C8B-B14F-4D97-AF65-F5344CB8AC3E}">
-        <p14:creationId xmlns:p14="http://schemas.microsoft.com/office/powerpoint/2010/main" val="2539842650"/>
-      </p:ext>
-    </p:extLst>
-  </p:cSld>
-  <p:clrMapOvr>
-    <a:overrideClrMapping bg1="dk1" tx1="lt1" bg2="dk2" tx2="lt2" accent1="accent1" accent2="accent2" accent3="accent3" accent4="accent4" accent5="accent5" accent6="accent6" hlink="hlink" folHlink="folHlink"/>
-  </p:clrMapOvr>
-</p:sld>
-</file>
-
-<file path=ppt/slides/slide12.xml><?xml version="1.0" encoding="utf-8"?>
-<p:sld xmlns:a="http://schemas.openxmlformats.org/drawingml/2006/main" xmlns:r="http://schemas.openxmlformats.org/officeDocument/2006/relationships" xmlns:p="http://schemas.openxmlformats.org/presentationml/2006/main">
-  <p:cSld>
     <p:spTree>
       <p:nvGrpSpPr>
         <p:cNvPr id="1" name=""/>
@@ -21018,7 +20673,7 @@
 </p:sld>
 </file>
 
-<file path=ppt/slides/slide13.xml><?xml version="1.0" encoding="utf-8"?>
+<file path=ppt/slides/slide12.xml><?xml version="1.0" encoding="utf-8"?>
 <p:sld xmlns:a="http://schemas.openxmlformats.org/drawingml/2006/main" xmlns:r="http://schemas.openxmlformats.org/officeDocument/2006/relationships" xmlns:p="http://schemas.openxmlformats.org/presentationml/2006/main">
   <p:cSld>
     <p:spTree>
@@ -21162,7 +20817,7 @@
 </p:sld>
 </file>
 
-<file path=ppt/slides/slide14.xml><?xml version="1.0" encoding="utf-8"?>
+<file path=ppt/slides/slide13.xml><?xml version="1.0" encoding="utf-8"?>
 <p:sld xmlns:a="http://schemas.openxmlformats.org/drawingml/2006/main" xmlns:r="http://schemas.openxmlformats.org/officeDocument/2006/relationships" xmlns:p="http://schemas.openxmlformats.org/presentationml/2006/main">
   <p:cSld>
     <p:bg>
@@ -22306,7 +21961,7 @@
 </p:sld>
 </file>
 
-<file path=ppt/slides/slide15.xml><?xml version="1.0" encoding="utf-8"?>
+<file path=ppt/slides/slide14.xml><?xml version="1.0" encoding="utf-8"?>
 <p:sld xmlns:a="http://schemas.openxmlformats.org/drawingml/2006/main" xmlns:r="http://schemas.openxmlformats.org/officeDocument/2006/relationships" xmlns:p="http://schemas.openxmlformats.org/presentationml/2006/main">
   <p:cSld>
     <p:bg>
@@ -23420,7 +23075,7 @@
 </p:sld>
 </file>
 
-<file path=ppt/slides/slide16.xml><?xml version="1.0" encoding="utf-8"?>
+<file path=ppt/slides/slide15.xml><?xml version="1.0" encoding="utf-8"?>
 <p:sld xmlns:a="http://schemas.openxmlformats.org/drawingml/2006/main" xmlns:r="http://schemas.openxmlformats.org/officeDocument/2006/relationships" xmlns:p="http://schemas.openxmlformats.org/presentationml/2006/main">
   <p:cSld>
     <p:spTree>
@@ -23518,7 +23173,7 @@
 </p:sld>
 </file>
 
-<file path=ppt/slides/slide17.xml><?xml version="1.0" encoding="utf-8"?>
+<file path=ppt/slides/slide16.xml><?xml version="1.0" encoding="utf-8"?>
 <p:sld xmlns:a="http://schemas.openxmlformats.org/drawingml/2006/main" xmlns:r="http://schemas.openxmlformats.org/officeDocument/2006/relationships" xmlns:p="http://schemas.openxmlformats.org/presentationml/2006/main">
   <p:cSld>
     <p:spTree>
@@ -23642,6 +23297,351 @@
   </p:cSld>
   <p:clrMapOvr>
     <a:masterClrMapping/>
+  </p:clrMapOvr>
+</p:sld>
+</file>
+
+<file path=ppt/slides/slide17.xml><?xml version="1.0" encoding="utf-8"?>
+<p:sld xmlns:a="http://schemas.openxmlformats.org/drawingml/2006/main" xmlns:r="http://schemas.openxmlformats.org/officeDocument/2006/relationships" xmlns:p="http://schemas.openxmlformats.org/presentationml/2006/main">
+  <p:cSld>
+    <p:bg>
+      <p:bgPr>
+        <a:solidFill>
+          <a:schemeClr val="bg2"/>
+        </a:solidFill>
+        <a:effectLst/>
+      </p:bgPr>
+    </p:bg>
+    <p:spTree>
+      <p:nvGrpSpPr>
+        <p:cNvPr id="1" name=""/>
+        <p:cNvGrpSpPr/>
+        <p:nvPr/>
+      </p:nvGrpSpPr>
+      <p:grpSpPr>
+        <a:xfrm>
+          <a:off x="0" y="0"/>
+          <a:ext cx="0" cy="0"/>
+          <a:chOff x="0" y="0"/>
+          <a:chExt cx="0" cy="0"/>
+        </a:xfrm>
+      </p:grpSpPr>
+      <p:grpSp>
+        <p:nvGrpSpPr>
+          <p:cNvPr id="49" name="Group 48">
+            <a:extLst>
+              <a:ext uri="{FF2B5EF4-FFF2-40B4-BE49-F238E27FC236}">
+                <a16:creationId xmlns:a16="http://schemas.microsoft.com/office/drawing/2014/main" id="{2F448CB3-7B4F-45D7-B7C0-DF553DF61453}"/>
+              </a:ext>
+              <a:ext uri="{C183D7F6-B498-43B3-948B-1728B52AA6E4}">
+                <adec:decorative xmlns:adec="http://schemas.microsoft.com/office/drawing/2017/decorative" val="1"/>
+              </a:ext>
+            </a:extLst>
+          </p:cNvPr>
+          <p:cNvGrpSpPr>
+            <a:grpSpLocks noGrp="1" noUngrp="1" noRot="1" noChangeAspect="1" noMove="1" noResize="1"/>
+          </p:cNvGrpSpPr>
+          <p:nvPr>
+            <p:extLst>
+              <p:ext uri="{386F3935-93C4-4BCD-93E2-E3B085C9AB24}">
+                <p16:designElem xmlns:p16="http://schemas.microsoft.com/office/powerpoint/2015/main" val="1"/>
+              </p:ext>
+            </p:extLst>
+          </p:nvPr>
+        </p:nvGrpSpPr>
+        <p:grpSpPr>
+          <a:xfrm>
+            <a:off x="0" y="0"/>
+            <a:ext cx="12192000" cy="6858000"/>
+            <a:chOff x="0" y="0"/>
+            <a:chExt cx="12192000" cy="6858000"/>
+          </a:xfrm>
+        </p:grpSpPr>
+        <p:sp>
+          <p:nvSpPr>
+            <p:cNvPr id="50" name="Rectangle 49">
+              <a:extLst>
+                <a:ext uri="{FF2B5EF4-FFF2-40B4-BE49-F238E27FC236}">
+                  <a16:creationId xmlns:a16="http://schemas.microsoft.com/office/drawing/2014/main" id="{5C5305EA-7A88-413D-BE8A-47A02476F00C}"/>
+                </a:ext>
+                <a:ext uri="{C183D7F6-B498-43B3-948B-1728B52AA6E4}">
+                  <adec:decorative xmlns:adec="http://schemas.microsoft.com/office/drawing/2017/decorative" val="1"/>
+                </a:ext>
+              </a:extLst>
+            </p:cNvPr>
+            <p:cNvSpPr/>
+            <p:nvPr>
+              <p:extLst>
+                <p:ext uri="{386F3935-93C4-4BCD-93E2-E3B085C9AB24}">
+                  <p16:designElem xmlns:p16="http://schemas.microsoft.com/office/powerpoint/2015/main" val="1"/>
+                </p:ext>
+              </p:extLst>
+            </p:nvPr>
+          </p:nvSpPr>
+          <p:spPr>
+            <a:xfrm>
+              <a:off x="0" y="0"/>
+              <a:ext cx="12192000" cy="6858000"/>
+            </a:xfrm>
+            <a:prstGeom prst="rect">
+              <a:avLst/>
+            </a:prstGeom>
+            <a:blipFill>
+              <a:blip r:embed="rId2">
+                <a:duotone>
+                  <a:schemeClr val="dk2">
+                    <a:shade val="69000"/>
+                    <a:hueMod val="91000"/>
+                    <a:satMod val="164000"/>
+                    <a:lumMod val="74000"/>
+                  </a:schemeClr>
+                  <a:schemeClr val="dk2">
+                    <a:hueMod val="124000"/>
+                    <a:satMod val="140000"/>
+                    <a:lumMod val="142000"/>
+                  </a:schemeClr>
+                </a:duotone>
+              </a:blip>
+              <a:stretch>
+                <a:fillRect/>
+              </a:stretch>
+            </a:blipFill>
+            <a:ln>
+              <a:noFill/>
+            </a:ln>
+          </p:spPr>
+          <p:style>
+            <a:lnRef idx="2">
+              <a:schemeClr val="accent1">
+                <a:shade val="50000"/>
+              </a:schemeClr>
+            </a:lnRef>
+            <a:fillRef idx="1">
+              <a:schemeClr val="accent1"/>
+            </a:fillRef>
+            <a:effectRef idx="0">
+              <a:schemeClr val="accent1"/>
+            </a:effectRef>
+            <a:fontRef idx="minor">
+              <a:schemeClr val="lt1"/>
+            </a:fontRef>
+          </p:style>
+        </p:sp>
+        <p:sp>
+          <p:nvSpPr>
+            <p:cNvPr id="51" name="Freeform 5">
+              <a:extLst>
+                <a:ext uri="{FF2B5EF4-FFF2-40B4-BE49-F238E27FC236}">
+                  <a16:creationId xmlns:a16="http://schemas.microsoft.com/office/drawing/2014/main" id="{FCA94DB5-FE56-4A3D-BC48-31B5595197FD}"/>
+                </a:ext>
+                <a:ext uri="{C183D7F6-B498-43B3-948B-1728B52AA6E4}">
+                  <adec:decorative xmlns:adec="http://schemas.microsoft.com/office/drawing/2017/decorative" val="1"/>
+                </a:ext>
+              </a:extLst>
+            </p:cNvPr>
+            <p:cNvSpPr>
+              <a:spLocks noEditPoints="1"/>
+            </p:cNvSpPr>
+            <p:nvPr>
+              <p:extLst>
+                <p:ext uri="{386F3935-93C4-4BCD-93E2-E3B085C9AB24}">
+                  <p16:designElem xmlns:p16="http://schemas.microsoft.com/office/powerpoint/2015/main" val="1"/>
+                </p:ext>
+              </p:extLst>
+            </p:nvPr>
+          </p:nvSpPr>
+          <p:spPr bwMode="gray">
+            <a:xfrm>
+              <a:off x="0" y="1587"/>
+              <a:ext cx="12192000" cy="6856413"/>
+            </a:xfrm>
+            <a:custGeom>
+              <a:avLst/>
+              <a:gdLst/>
+              <a:ahLst/>
+              <a:cxnLst/>
+              <a:rect l="0" t="0" r="r" b="b"/>
+              <a:pathLst>
+                <a:path w="15356" h="8638">
+                  <a:moveTo>
+                    <a:pt x="0" y="0"/>
+                  </a:moveTo>
+                  <a:lnTo>
+                    <a:pt x="0" y="8638"/>
+                  </a:lnTo>
+                  <a:lnTo>
+                    <a:pt x="15356" y="8638"/>
+                  </a:lnTo>
+                  <a:lnTo>
+                    <a:pt x="15356" y="0"/>
+                  </a:lnTo>
+                  <a:lnTo>
+                    <a:pt x="0" y="0"/>
+                  </a:lnTo>
+                  <a:close/>
+                  <a:moveTo>
+                    <a:pt x="14748" y="8038"/>
+                  </a:moveTo>
+                  <a:lnTo>
+                    <a:pt x="600" y="8038"/>
+                  </a:lnTo>
+                  <a:lnTo>
+                    <a:pt x="600" y="592"/>
+                  </a:lnTo>
+                  <a:lnTo>
+                    <a:pt x="14748" y="592"/>
+                  </a:lnTo>
+                  <a:lnTo>
+                    <a:pt x="14748" y="8038"/>
+                  </a:lnTo>
+                  <a:close/>
+                </a:path>
+              </a:pathLst>
+            </a:custGeom>
+            <a:solidFill>
+              <a:srgbClr val="FFFFFF"/>
+            </a:solidFill>
+            <a:ln>
+              <a:noFill/>
+            </a:ln>
+          </p:spPr>
+        </p:sp>
+      </p:grpSp>
+      <p:sp>
+        <p:nvSpPr>
+          <p:cNvPr id="2" name="Title 1">
+            <a:extLst>
+              <a:ext uri="{FF2B5EF4-FFF2-40B4-BE49-F238E27FC236}">
+                <a16:creationId xmlns:a16="http://schemas.microsoft.com/office/drawing/2014/main" id="{A2A028D9-8251-42C6-A05D-F090A3D25303}"/>
+              </a:ext>
+            </a:extLst>
+          </p:cNvPr>
+          <p:cNvSpPr>
+            <a:spLocks noGrp="1"/>
+          </p:cNvSpPr>
+          <p:nvPr>
+            <p:ph type="title"/>
+          </p:nvPr>
+        </p:nvSpPr>
+        <p:spPr>
+          <a:xfrm>
+            <a:off x="1154954" y="973668"/>
+            <a:ext cx="8761413" cy="706964"/>
+          </a:xfrm>
+        </p:spPr>
+        <p:txBody>
+          <a:bodyPr vert="horz" lIns="91440" tIns="45720" rIns="91440" bIns="45720" rtlCol="0">
+            <a:normAutofit/>
+          </a:bodyPr>
+          <a:lstStyle/>
+          <a:p>
+            <a:r>
+              <a:rPr lang="en-US" b="0" i="0" kern="1200" dirty="0">
+                <a:solidFill>
+                  <a:srgbClr val="FFFFFF"/>
+                </a:solidFill>
+                <a:latin typeface="+mj-lt"/>
+                <a:ea typeface="+mj-ea"/>
+                <a:cs typeface="+mj-cs"/>
+              </a:rPr>
+              <a:t>supportive analysis </a:t>
+            </a:r>
+          </a:p>
+        </p:txBody>
+      </p:sp>
+      <p:sp>
+        <p:nvSpPr>
+          <p:cNvPr id="53" name="Rectangle 52">
+            <a:extLst>
+              <a:ext uri="{FF2B5EF4-FFF2-40B4-BE49-F238E27FC236}">
+                <a16:creationId xmlns:a16="http://schemas.microsoft.com/office/drawing/2014/main" id="{F9ED434F-8767-46CC-B26B-5AF62FF01E66}"/>
+              </a:ext>
+              <a:ext uri="{C183D7F6-B498-43B3-948B-1728B52AA6E4}">
+                <adec:decorative xmlns:adec="http://schemas.microsoft.com/office/drawing/2017/decorative" val="1"/>
+              </a:ext>
+            </a:extLst>
+          </p:cNvPr>
+          <p:cNvSpPr>
+            <a:spLocks noGrp="1" noRot="1" noChangeAspect="1" noMove="1" noResize="1" noEditPoints="1" noAdjustHandles="1" noChangeArrowheads="1" noChangeShapeType="1" noTextEdit="1"/>
+          </p:cNvSpPr>
+          <p:nvPr>
+            <p:extLst>
+              <p:ext uri="{386F3935-93C4-4BCD-93E2-E3B085C9AB24}">
+                <p16:designElem xmlns:p16="http://schemas.microsoft.com/office/powerpoint/2015/main" val="1"/>
+              </p:ext>
+            </p:extLst>
+          </p:nvPr>
+        </p:nvSpPr>
+        <p:spPr>
+          <a:xfrm>
+            <a:off x="10437812" y="0"/>
+            <a:ext cx="685800" cy="1143000"/>
+          </a:xfrm>
+          <a:prstGeom prst="rect">
+            <a:avLst/>
+          </a:prstGeom>
+          <a:solidFill>
+            <a:schemeClr val="accent1"/>
+          </a:solidFill>
+          <a:ln>
+            <a:noFill/>
+          </a:ln>
+        </p:spPr>
+        <p:style>
+          <a:lnRef idx="1">
+            <a:schemeClr val="accent1"/>
+          </a:lnRef>
+          <a:fillRef idx="3">
+            <a:schemeClr val="accent1"/>
+          </a:fillRef>
+          <a:effectRef idx="2">
+            <a:schemeClr val="accent1"/>
+          </a:effectRef>
+          <a:fontRef idx="minor">
+            <a:schemeClr val="lt1"/>
+          </a:fontRef>
+        </p:style>
+      </p:sp>
+      <p:graphicFrame>
+        <p:nvGraphicFramePr>
+          <p:cNvPr id="7" name="Text Placeholder 2">
+            <a:extLst>
+              <a:ext uri="{FF2B5EF4-FFF2-40B4-BE49-F238E27FC236}">
+                <a16:creationId xmlns:a16="http://schemas.microsoft.com/office/drawing/2014/main" id="{6AA01F85-B636-49B0-988C-5F09140C140A}"/>
+              </a:ext>
+            </a:extLst>
+          </p:cNvPr>
+          <p:cNvGraphicFramePr>
+            <a:graphicFrameLocks noGrp="1"/>
+          </p:cNvGraphicFramePr>
+          <p:nvPr>
+            <p:ph idx="1"/>
+            <p:extLst>
+              <p:ext uri="{D42A27DB-BD31-4B8C-83A1-F6EECF244321}">
+                <p14:modId xmlns:p14="http://schemas.microsoft.com/office/powerpoint/2010/main" val="4198596398"/>
+              </p:ext>
+            </p:extLst>
+          </p:nvPr>
+        </p:nvGraphicFramePr>
+        <p:xfrm>
+          <a:off x="1286934" y="2324100"/>
+          <a:ext cx="9625383" cy="3422683"/>
+        </p:xfrm>
+        <a:graphic>
+          <a:graphicData uri="http://schemas.openxmlformats.org/drawingml/2006/diagram">
+            <dgm:relIds xmlns:dgm="http://schemas.openxmlformats.org/drawingml/2006/diagram" xmlns:r="http://schemas.openxmlformats.org/officeDocument/2006/relationships" r:dm="rId3" r:lo="rId4" r:qs="rId5" r:cs="rId6"/>
+          </a:graphicData>
+        </a:graphic>
+      </p:graphicFrame>
+    </p:spTree>
+    <p:extLst>
+      <p:ext uri="{BB962C8B-B14F-4D97-AF65-F5344CB8AC3E}">
+        <p14:creationId xmlns:p14="http://schemas.microsoft.com/office/powerpoint/2010/main" val="2539842650"/>
+      </p:ext>
+    </p:extLst>
+  </p:cSld>
+  <p:clrMapOvr>
+    <a:overrideClrMapping bg1="dk1" tx1="lt1" bg2="dk2" tx2="lt2" accent1="accent1" accent2="accent2" accent3="accent3" accent4="accent4" accent5="accent5" accent6="accent6" hlink="hlink" folHlink="folHlink"/>
   </p:clrMapOvr>
 </p:sld>
 </file>
